--- a/ItSchoolSamsungProject.pptx
+++ b/ItSchoolSamsungProject.pptx
@@ -10,14 +10,15 @@
     <p:sldId id="259" r:id="rId4"/>
     <p:sldId id="260" r:id="rId5"/>
     <p:sldId id="270" r:id="rId6"/>
-    <p:sldId id="262" r:id="rId7"/>
-    <p:sldId id="267" r:id="rId8"/>
-    <p:sldId id="263" r:id="rId9"/>
-    <p:sldId id="265" r:id="rId10"/>
-    <p:sldId id="268" r:id="rId11"/>
-    <p:sldId id="269" r:id="rId12"/>
-    <p:sldId id="266" r:id="rId13"/>
-    <p:sldId id="261" r:id="rId14"/>
+    <p:sldId id="271" r:id="rId7"/>
+    <p:sldId id="262" r:id="rId8"/>
+    <p:sldId id="267" r:id="rId9"/>
+    <p:sldId id="263" r:id="rId10"/>
+    <p:sldId id="265" r:id="rId11"/>
+    <p:sldId id="268" r:id="rId12"/>
+    <p:sldId id="269" r:id="rId13"/>
+    <p:sldId id="266" r:id="rId14"/>
+    <p:sldId id="261" r:id="rId15"/>
   </p:sldIdLst>
   <p:sldSz cx="9144000" cy="5143500" type="screen16x9"/>
   <p:notesSz cx="6858000" cy="9144000"/>
@@ -1565,15 +1566,15 @@
     <dgm:cxn modelId="{A4668369-31A3-4CC8-8157-E6BF7651ED9F}" type="presOf" srcId="{F5C3FE8D-4C90-4CD5-96C7-AC9BF527BEA4}" destId="{C2668B05-8CAC-4FF4-A22D-CC1E43B716BB}" srcOrd="0" destOrd="0" presId="urn:microsoft.com/office/officeart/2005/8/layout/vList4"/>
     <dgm:cxn modelId="{6FC24E9A-DBF5-4B56-BDC2-5B6908859507}" srcId="{7F4B160F-839C-48F0-ADBA-D31F7B5631B1}" destId="{02D32DA2-3E54-40CE-9759-FD75E6000A66}" srcOrd="2" destOrd="0" parTransId="{6AA5A724-070F-4A86-9FAD-0FCF3A9D91A1}" sibTransId="{FAE1E3D1-12DC-45F9-8FBC-1D45CB6DE3C4}"/>
     <dgm:cxn modelId="{E521A6F3-6DC6-4E2E-B474-4F7A352DF009}" srcId="{F5C3FE8D-4C90-4CD5-96C7-AC9BF527BEA4}" destId="{7F4B160F-839C-48F0-ADBA-D31F7B5631B1}" srcOrd="1" destOrd="0" parTransId="{B9038B73-FC3F-40C5-8625-314145153216}" sibTransId="{7A271D31-72BA-4180-BB78-8F8EC1E9FCE2}"/>
+    <dgm:cxn modelId="{FC4DE376-DA0F-45BE-9CB0-911F0E6DF559}" type="presOf" srcId="{647E964B-63D9-4AD9-8AB2-4B81B100C8E7}" destId="{C86E854C-517E-4F38-8A1B-01CD0BD73129}" srcOrd="0" destOrd="2" presId="urn:microsoft.com/office/officeart/2005/8/layout/vList4"/>
     <dgm:cxn modelId="{7E38B8B7-DD33-472F-9764-665DD7DEA97E}" type="presOf" srcId="{EA014DDA-D8B3-405E-BA16-CF4E7A4238F0}" destId="{8152823F-E56C-4A09-B721-2BC7061ACB08}" srcOrd="1" destOrd="1" presId="urn:microsoft.com/office/officeart/2005/8/layout/vList4"/>
-    <dgm:cxn modelId="{FC4DE376-DA0F-45BE-9CB0-911F0E6DF559}" type="presOf" srcId="{647E964B-63D9-4AD9-8AB2-4B81B100C8E7}" destId="{C86E854C-517E-4F38-8A1B-01CD0BD73129}" srcOrd="0" destOrd="2" presId="urn:microsoft.com/office/officeart/2005/8/layout/vList4"/>
     <dgm:cxn modelId="{63A3C01F-08C6-4B1B-B4B1-EAF194279422}" srcId="{F5C3FE8D-4C90-4CD5-96C7-AC9BF527BEA4}" destId="{FD7B79EC-FA41-4917-B515-828FC538931F}" srcOrd="2" destOrd="0" parTransId="{55925021-52B6-441A-AF6C-CA54E7C8E749}" sibTransId="{FDCB60A9-9419-460E-BF1E-B6ACDCC8D906}"/>
     <dgm:cxn modelId="{EA1530BC-2977-4D45-8668-12683731217F}" srcId="{FD7B79EC-FA41-4917-B515-828FC538931F}" destId="{4CE5A98A-76ED-4C63-BDEE-3389C0E316F4}" srcOrd="1" destOrd="0" parTransId="{7ED35334-FA3C-44F5-87EA-E7CD756260AB}" sibTransId="{BFD45DB4-A5DF-4FF8-A7D6-A8305BFFC927}"/>
+    <dgm:cxn modelId="{2775EC28-2E1A-48FA-906B-67679C176996}" srcId="{7F4B160F-839C-48F0-ADBA-D31F7B5631B1}" destId="{A3A2177F-FFAC-4F98-B4D9-A8E055673D6E}" srcOrd="0" destOrd="0" parTransId="{C1F422E9-BFDB-4A3F-8F47-6C2BF94AE4CD}" sibTransId="{6514877F-911F-4444-8C82-64FEFE3632E7}"/>
     <dgm:cxn modelId="{99E0EB31-3981-4608-AAAC-A7D945668006}" srcId="{2F6378DB-383D-401A-8215-6E0ADEB4CE27}" destId="{3D0DB2F3-49F6-4014-95A4-F9CA397386F8}" srcOrd="0" destOrd="0" parTransId="{D551555B-B336-4DB1-9614-6C09CCCD2522}" sibTransId="{9A291305-D2EF-49F3-B232-669804FC0186}"/>
-    <dgm:cxn modelId="{2775EC28-2E1A-48FA-906B-67679C176996}" srcId="{7F4B160F-839C-48F0-ADBA-D31F7B5631B1}" destId="{A3A2177F-FFAC-4F98-B4D9-A8E055673D6E}" srcOrd="0" destOrd="0" parTransId="{C1F422E9-BFDB-4A3F-8F47-6C2BF94AE4CD}" sibTransId="{6514877F-911F-4444-8C82-64FEFE3632E7}"/>
-    <dgm:cxn modelId="{3F4218B9-20F1-43C7-96EF-5347C72B679A}" type="presOf" srcId="{7F4B160F-839C-48F0-ADBA-D31F7B5631B1}" destId="{A1AE2A3D-883F-4E36-AFE6-19BB55103E10}" srcOrd="1" destOrd="0" presId="urn:microsoft.com/office/officeart/2005/8/layout/vList4"/>
     <dgm:cxn modelId="{AE0EC6D2-076C-4AB5-9B8E-D34BD24A88D6}" type="presOf" srcId="{A3A2177F-FFAC-4F98-B4D9-A8E055673D6E}" destId="{C86E854C-517E-4F38-8A1B-01CD0BD73129}" srcOrd="0" destOrd="1" presId="urn:microsoft.com/office/officeart/2005/8/layout/vList4"/>
     <dgm:cxn modelId="{36966F25-A5E2-4852-AAB3-04E98F920DA6}" type="presOf" srcId="{A3A2177F-FFAC-4F98-B4D9-A8E055673D6E}" destId="{A1AE2A3D-883F-4E36-AFE6-19BB55103E10}" srcOrd="1" destOrd="1" presId="urn:microsoft.com/office/officeart/2005/8/layout/vList4"/>
+    <dgm:cxn modelId="{3F4218B9-20F1-43C7-96EF-5347C72B679A}" type="presOf" srcId="{7F4B160F-839C-48F0-ADBA-D31F7B5631B1}" destId="{A1AE2A3D-883F-4E36-AFE6-19BB55103E10}" srcOrd="1" destOrd="0" presId="urn:microsoft.com/office/officeart/2005/8/layout/vList4"/>
     <dgm:cxn modelId="{3BBCF2E7-6EC5-434B-96F9-B2C9C6F566C8}" srcId="{FD7B79EC-FA41-4917-B515-828FC538931F}" destId="{EA014DDA-D8B3-405E-BA16-CF4E7A4238F0}" srcOrd="0" destOrd="0" parTransId="{DEFBA0E4-FF31-4A46-9375-67C8E34B5D68}" sibTransId="{F8D68D55-97F9-460D-A91C-34DB1706A126}"/>
     <dgm:cxn modelId="{CCA13D3F-B7B2-461D-9969-D301F00F285E}" srcId="{2F6378DB-383D-401A-8215-6E0ADEB4CE27}" destId="{99207E18-DFE0-42BE-8DAE-26DEB7D07087}" srcOrd="1" destOrd="0" parTransId="{92D5703A-E6A8-4C1F-A1C0-C0670E3C3A3F}" sibTransId="{A9968FA5-1761-461F-903A-DC74546F05B3}"/>
     <dgm:cxn modelId="{D36B21C2-BA00-4DF0-8BC1-71733AA1A3B8}" type="presOf" srcId="{7F4B160F-839C-48F0-ADBA-D31F7B5631B1}" destId="{C86E854C-517E-4F38-8A1B-01CD0BD73129}" srcOrd="0" destOrd="0" presId="urn:microsoft.com/office/officeart/2005/8/layout/vList4"/>
@@ -1582,8 +1583,8 @@
     <dgm:cxn modelId="{4B684537-4649-433B-8A07-BA57EA7D0734}" type="presOf" srcId="{4CE5A98A-76ED-4C63-BDEE-3389C0E316F4}" destId="{A069FA5F-6FD4-4406-AB55-BE069C45C050}" srcOrd="0" destOrd="2" presId="urn:microsoft.com/office/officeart/2005/8/layout/vList4"/>
     <dgm:cxn modelId="{333BE311-8CAE-4970-ADE3-9017B8F0BBF6}" type="presOf" srcId="{2F6378DB-383D-401A-8215-6E0ADEB4CE27}" destId="{E1C1C30B-A380-4D6E-B5A9-DF86A908445D}" srcOrd="0" destOrd="0" presId="urn:microsoft.com/office/officeart/2005/8/layout/vList4"/>
     <dgm:cxn modelId="{70220B83-4685-4CB1-9ABA-49ADB09A950D}" type="presOf" srcId="{02D32DA2-3E54-40CE-9759-FD75E6000A66}" destId="{C86E854C-517E-4F38-8A1B-01CD0BD73129}" srcOrd="0" destOrd="3" presId="urn:microsoft.com/office/officeart/2005/8/layout/vList4"/>
+    <dgm:cxn modelId="{64FAFCD4-D257-4C38-8C50-939F07A56888}" type="presOf" srcId="{02D32DA2-3E54-40CE-9759-FD75E6000A66}" destId="{A1AE2A3D-883F-4E36-AFE6-19BB55103E10}" srcOrd="1" destOrd="3" presId="urn:microsoft.com/office/officeart/2005/8/layout/vList4"/>
     <dgm:cxn modelId="{CBE05678-D428-493E-A4F5-A7E1794D3BFF}" type="presOf" srcId="{3D0DB2F3-49F6-4014-95A4-F9CA397386F8}" destId="{DC829D4E-879A-4A91-93B3-771F6EE01491}" srcOrd="1" destOrd="1" presId="urn:microsoft.com/office/officeart/2005/8/layout/vList4"/>
-    <dgm:cxn modelId="{64FAFCD4-D257-4C38-8C50-939F07A56888}" type="presOf" srcId="{02D32DA2-3E54-40CE-9759-FD75E6000A66}" destId="{A1AE2A3D-883F-4E36-AFE6-19BB55103E10}" srcOrd="1" destOrd="3" presId="urn:microsoft.com/office/officeart/2005/8/layout/vList4"/>
     <dgm:cxn modelId="{73570364-E6F6-497B-8301-89C89F0E99E8}" type="presOf" srcId="{647E964B-63D9-4AD9-8AB2-4B81B100C8E7}" destId="{A1AE2A3D-883F-4E36-AFE6-19BB55103E10}" srcOrd="1" destOrd="2" presId="urn:microsoft.com/office/officeart/2005/8/layout/vList4"/>
     <dgm:cxn modelId="{E0309CBC-57BE-4522-95C2-3EAA2C73CB8D}" type="presOf" srcId="{3D0DB2F3-49F6-4014-95A4-F9CA397386F8}" destId="{E1C1C30B-A380-4D6E-B5A9-DF86A908445D}" srcOrd="0" destOrd="1" presId="urn:microsoft.com/office/officeart/2005/8/layout/vList4"/>
     <dgm:cxn modelId="{396D54E5-664E-4B16-AA9E-68FBE728F1BA}" type="presOf" srcId="{FD7B79EC-FA41-4917-B515-828FC538931F}" destId="{A069FA5F-6FD4-4406-AB55-BE069C45C050}" srcOrd="0" destOrd="0" presId="urn:microsoft.com/office/officeart/2005/8/layout/vList4"/>
@@ -3683,7 +3684,7 @@
             <a:fld id="{6BC04C1E-E9C4-407F-9E27-5C4C6212FD3D}" type="datetimeFigureOut">
               <a:rPr lang="en-US" smtClean="0"/>
               <a:pPr/>
-              <a:t>5/12/2021</a:t>
+              <a:t>5/13/2021</a:t>
             </a:fld>
             <a:endParaRPr lang="en-US" dirty="0"/>
           </a:p>
@@ -3871,7 +3872,7 @@
             <a:fld id="{6BC04C1E-E9C4-407F-9E27-5C4C6212FD3D}" type="datetimeFigureOut">
               <a:rPr lang="en-US" smtClean="0"/>
               <a:pPr/>
-              <a:t>5/12/2021</a:t>
+              <a:t>5/13/2021</a:t>
             </a:fld>
             <a:endParaRPr lang="en-US"/>
           </a:p>
@@ -4053,7 +4054,7 @@
             <a:fld id="{6BC04C1E-E9C4-407F-9E27-5C4C6212FD3D}" type="datetimeFigureOut">
               <a:rPr lang="en-US" smtClean="0"/>
               <a:pPr/>
-              <a:t>5/12/2021</a:t>
+              <a:t>5/13/2021</a:t>
             </a:fld>
             <a:endParaRPr lang="en-US"/>
           </a:p>
@@ -4225,7 +4226,7 @@
             <a:fld id="{6BC04C1E-E9C4-407F-9E27-5C4C6212FD3D}" type="datetimeFigureOut">
               <a:rPr lang="en-US" smtClean="0"/>
               <a:pPr/>
-              <a:t>5/12/2021</a:t>
+              <a:t>5/13/2021</a:t>
             </a:fld>
             <a:endParaRPr lang="en-US" dirty="0"/>
           </a:p>
@@ -4473,7 +4474,7 @@
             <a:fld id="{6BC04C1E-E9C4-407F-9E27-5C4C6212FD3D}" type="datetimeFigureOut">
               <a:rPr lang="en-US" smtClean="0"/>
               <a:pPr/>
-              <a:t>5/12/2021</a:t>
+              <a:t>5/13/2021</a:t>
             </a:fld>
             <a:endParaRPr lang="en-US"/>
           </a:p>
@@ -4763,7 +4764,7 @@
             <a:fld id="{6BC04C1E-E9C4-407F-9E27-5C4C6212FD3D}" type="datetimeFigureOut">
               <a:rPr lang="en-US" smtClean="0"/>
               <a:pPr/>
-              <a:t>5/12/2021</a:t>
+              <a:t>5/13/2021</a:t>
             </a:fld>
             <a:endParaRPr lang="en-US"/>
           </a:p>
@@ -5192,7 +5193,7 @@
             <a:fld id="{6BC04C1E-E9C4-407F-9E27-5C4C6212FD3D}" type="datetimeFigureOut">
               <a:rPr lang="en-US" smtClean="0"/>
               <a:pPr/>
-              <a:t>5/12/2021</a:t>
+              <a:t>5/13/2021</a:t>
             </a:fld>
             <a:endParaRPr lang="en-US"/>
           </a:p>
@@ -5312,7 +5313,7 @@
             <a:fld id="{6BC04C1E-E9C4-407F-9E27-5C4C6212FD3D}" type="datetimeFigureOut">
               <a:rPr lang="en-US" smtClean="0"/>
               <a:pPr/>
-              <a:t>5/12/2021</a:t>
+              <a:t>5/13/2021</a:t>
             </a:fld>
             <a:endParaRPr lang="en-US"/>
           </a:p>
@@ -5409,7 +5410,7 @@
             <a:fld id="{6BC04C1E-E9C4-407F-9E27-5C4C6212FD3D}" type="datetimeFigureOut">
               <a:rPr lang="en-US" smtClean="0"/>
               <a:pPr/>
-              <a:t>5/12/2021</a:t>
+              <a:t>5/13/2021</a:t>
             </a:fld>
             <a:endParaRPr lang="en-US"/>
           </a:p>
@@ -5688,7 +5689,7 @@
             <a:fld id="{6BC04C1E-E9C4-407F-9E27-5C4C6212FD3D}" type="datetimeFigureOut">
               <a:rPr lang="en-US" smtClean="0"/>
               <a:pPr/>
-              <a:t>5/12/2021</a:t>
+              <a:t>5/13/2021</a:t>
             </a:fld>
             <a:endParaRPr lang="en-US"/>
           </a:p>
@@ -5943,7 +5944,7 @@
             <a:fld id="{6BC04C1E-E9C4-407F-9E27-5C4C6212FD3D}" type="datetimeFigureOut">
               <a:rPr lang="en-US" smtClean="0"/>
               <a:pPr/>
-              <a:t>5/12/2021</a:t>
+              <a:t>5/13/2021</a:t>
             </a:fld>
             <a:endParaRPr lang="en-US"/>
           </a:p>
@@ -6222,7 +6223,7 @@
             <a:fld id="{6BC04C1E-E9C4-407F-9E27-5C4C6212FD3D}" type="datetimeFigureOut">
               <a:rPr lang="en-US" smtClean="0"/>
               <a:pPr/>
-              <a:t>5/12/2021</a:t>
+              <a:t>5/13/2021</a:t>
             </a:fld>
             <a:endParaRPr lang="en-US"/>
           </a:p>
@@ -7046,7 +7047,7 @@
                 <a:latin typeface="Arial" panose="020B0604020202020204" pitchFamily="34" charset="0"/>
                 <a:cs typeface="Arial" panose="020B0604020202020204" pitchFamily="34" charset="0"/>
               </a:rPr>
-              <a:t>MyRequest, MyResponse</a:t>
+              <a:t>HttpService</a:t>
             </a:r>
             <a:endParaRPr lang="ru-RU" sz="2000" dirty="0">
               <a:latin typeface="Arial" panose="020B0604020202020204" pitchFamily="34" charset="0"/>
@@ -7080,42 +7081,14 @@
                 <a:latin typeface="Arial" panose="020B0604020202020204" pitchFamily="34" charset="0"/>
                 <a:cs typeface="Arial" panose="020B0604020202020204" pitchFamily="34" charset="0"/>
               </a:rPr>
-              <a:t>Классы для упрощения подачи запросов и получении ответов от веб-сервера. Имеют дочерние классы</a:t>
-            </a:r>
-            <a:r>
-              <a:rPr lang="en-US" sz="2000" dirty="0">
-                <a:latin typeface="Arial" panose="020B0604020202020204" pitchFamily="34" charset="0"/>
-                <a:cs typeface="Arial" panose="020B0604020202020204" pitchFamily="34" charset="0"/>
-              </a:rPr>
-              <a:t> </a:t>
+              <a:t>Основной класс, за счёт которого приложение отправляет запросы на сервер. Использует библиотеку </a:t>
             </a:r>
             <a:r>
               <a:rPr lang="en-US" sz="2000" dirty="0" smtClean="0">
                 <a:latin typeface="Arial" panose="020B0604020202020204" pitchFamily="34" charset="0"/>
                 <a:cs typeface="Arial" panose="020B0604020202020204" pitchFamily="34" charset="0"/>
               </a:rPr>
-              <a:t>MyRequestAuth</a:t>
-            </a:r>
-            <a:r>
-              <a:rPr lang="ru-RU" sz="2000" dirty="0" smtClean="0">
-                <a:latin typeface="Arial" panose="020B0604020202020204" pitchFamily="34" charset="0"/>
-                <a:cs typeface="Arial" panose="020B0604020202020204" pitchFamily="34" charset="0"/>
-              </a:rPr>
-              <a:t>, </a:t>
-            </a:r>
-            <a:r>
-              <a:rPr lang="en-US" sz="2000" dirty="0" smtClean="0">
-                <a:latin typeface="Arial" panose="020B0604020202020204" pitchFamily="34" charset="0"/>
-                <a:cs typeface="Arial" panose="020B0604020202020204" pitchFamily="34" charset="0"/>
-              </a:rPr>
-              <a:t>MyResponseAuth, MyRequestReg</a:t>
-            </a:r>
-            <a:r>
-              <a:rPr lang="ru-RU" sz="2000" dirty="0" smtClean="0">
-                <a:latin typeface="Arial" panose="020B0604020202020204" pitchFamily="34" charset="0"/>
-                <a:cs typeface="Arial" panose="020B0604020202020204" pitchFamily="34" charset="0"/>
-              </a:rPr>
-              <a:t> для процессов авторизации</a:t>
+              <a:t>okhttp3</a:t>
             </a:r>
             <a:endParaRPr lang="ru-RU" sz="2000" dirty="0">
               <a:latin typeface="Arial" panose="020B0604020202020204" pitchFamily="34" charset="0"/>
@@ -7127,7 +7100,7 @@
     </p:spTree>
     <p:extLst>
       <p:ext uri="{BB962C8B-B14F-4D97-AF65-F5344CB8AC3E}">
-        <p14:creationId xmlns:p14="http://schemas.microsoft.com/office/powerpoint/2010/main" val="1588702991"/>
+        <p14:creationId xmlns:p14="http://schemas.microsoft.com/office/powerpoint/2010/main" val="1783735977"/>
       </p:ext>
     </p:extLst>
   </p:cSld>
@@ -7174,7 +7147,7 @@
                 <a:latin typeface="Arial" panose="020B0604020202020204" pitchFamily="34" charset="0"/>
                 <a:cs typeface="Arial" panose="020B0604020202020204" pitchFamily="34" charset="0"/>
               </a:rPr>
-              <a:t>ClientServer</a:t>
+              <a:t>MyRequest, MyResponse</a:t>
             </a:r>
             <a:endParaRPr lang="ru-RU" sz="2000" dirty="0">
               <a:latin typeface="Arial" panose="020B0604020202020204" pitchFamily="34" charset="0"/>
@@ -7208,42 +7181,42 @@
                 <a:latin typeface="Arial" panose="020B0604020202020204" pitchFamily="34" charset="0"/>
                 <a:cs typeface="Arial" panose="020B0604020202020204" pitchFamily="34" charset="0"/>
               </a:rPr>
-              <a:t>Данный класс представляет из себя основной класс, взаимодействующий с </a:t>
+              <a:t>Классы для упрощения подачи запросов и получении ответов от веб-сервера. Имеют дочерние классы</a:t>
+            </a:r>
+            <a:r>
+              <a:rPr lang="en-US" sz="2000" dirty="0">
+                <a:latin typeface="Arial" panose="020B0604020202020204" pitchFamily="34" charset="0"/>
+                <a:cs typeface="Arial" panose="020B0604020202020204" pitchFamily="34" charset="0"/>
+              </a:rPr>
+              <a:t> </a:t>
             </a:r>
             <a:r>
               <a:rPr lang="en-US" sz="2000" dirty="0" smtClean="0">
                 <a:latin typeface="Arial" panose="020B0604020202020204" pitchFamily="34" charset="0"/>
                 <a:cs typeface="Arial" panose="020B0604020202020204" pitchFamily="34" charset="0"/>
               </a:rPr>
-              <a:t>HttpService.</a:t>
+              <a:t>MyRequestAuth</a:t>
             </a:r>
             <a:r>
               <a:rPr lang="ru-RU" sz="2000" dirty="0" smtClean="0">
                 <a:latin typeface="Arial" panose="020B0604020202020204" pitchFamily="34" charset="0"/>
                 <a:cs typeface="Arial" panose="020B0604020202020204" pitchFamily="34" charset="0"/>
               </a:rPr>
-              <a:t> Он принимает на вход </a:t>
+              <a:t>, </a:t>
             </a:r>
             <a:r>
               <a:rPr lang="en-US" sz="2000" dirty="0" smtClean="0">
                 <a:latin typeface="Arial" panose="020B0604020202020204" pitchFamily="34" charset="0"/>
                 <a:cs typeface="Arial" panose="020B0604020202020204" pitchFamily="34" charset="0"/>
               </a:rPr>
-              <a:t>MyRequest</a:t>
+              <a:t>MyResponseAuth, MyRequestReg</a:t>
             </a:r>
             <a:r>
               <a:rPr lang="ru-RU" sz="2000" dirty="0" smtClean="0">
                 <a:latin typeface="Arial" panose="020B0604020202020204" pitchFamily="34" charset="0"/>
                 <a:cs typeface="Arial" panose="020B0604020202020204" pitchFamily="34" charset="0"/>
               </a:rPr>
-              <a:t>, а выдаёт </a:t>
-            </a:r>
-            <a:r>
-              <a:rPr lang="en-US" sz="2000" dirty="0" smtClean="0">
-                <a:latin typeface="Arial" panose="020B0604020202020204" pitchFamily="34" charset="0"/>
-                <a:cs typeface="Arial" panose="020B0604020202020204" pitchFamily="34" charset="0"/>
-              </a:rPr>
-              <a:t>MyResponse</a:t>
+              <a:t> для процессов авторизации</a:t>
             </a:r>
             <a:endParaRPr lang="ru-RU" sz="2000" dirty="0">
               <a:latin typeface="Arial" panose="020B0604020202020204" pitchFamily="34" charset="0"/>
@@ -7255,7 +7228,7 @@
     </p:spTree>
     <p:extLst>
       <p:ext uri="{BB962C8B-B14F-4D97-AF65-F5344CB8AC3E}">
-        <p14:creationId xmlns:p14="http://schemas.microsoft.com/office/powerpoint/2010/main" val="861448046"/>
+        <p14:creationId xmlns:p14="http://schemas.microsoft.com/office/powerpoint/2010/main" val="1588702991"/>
       </p:ext>
     </p:extLst>
   </p:cSld>
@@ -7298,11 +7271,11 @@
           <a:lstStyle/>
           <a:p>
             <a:r>
-              <a:rPr lang="ru-RU" sz="2000" dirty="0" smtClean="0">
-                <a:latin typeface="Arial" panose="020B0604020202020204" pitchFamily="34" charset="0"/>
-                <a:cs typeface="Arial" panose="020B0604020202020204" pitchFamily="34" charset="0"/>
-              </a:rPr>
-              <a:t>Веб-сервер</a:t>
+              <a:rPr lang="en-US" sz="2000" dirty="0" smtClean="0">
+                <a:latin typeface="Arial" panose="020B0604020202020204" pitchFamily="34" charset="0"/>
+                <a:cs typeface="Arial" panose="020B0604020202020204" pitchFamily="34" charset="0"/>
+              </a:rPr>
+              <a:t>ClientServer</a:t>
             </a:r>
             <a:endParaRPr lang="ru-RU" sz="2000" dirty="0">
               <a:latin typeface="Arial" panose="020B0604020202020204" pitchFamily="34" charset="0"/>
@@ -7336,6 +7309,134 @@
                 <a:latin typeface="Arial" panose="020B0604020202020204" pitchFamily="34" charset="0"/>
                 <a:cs typeface="Arial" panose="020B0604020202020204" pitchFamily="34" charset="0"/>
               </a:rPr>
+              <a:t>Данный класс представляет из себя основной класс, взаимодействующий с </a:t>
+            </a:r>
+            <a:r>
+              <a:rPr lang="en-US" sz="2000" dirty="0" smtClean="0">
+                <a:latin typeface="Arial" panose="020B0604020202020204" pitchFamily="34" charset="0"/>
+                <a:cs typeface="Arial" panose="020B0604020202020204" pitchFamily="34" charset="0"/>
+              </a:rPr>
+              <a:t>HttpService.</a:t>
+            </a:r>
+            <a:r>
+              <a:rPr lang="ru-RU" sz="2000" dirty="0" smtClean="0">
+                <a:latin typeface="Arial" panose="020B0604020202020204" pitchFamily="34" charset="0"/>
+                <a:cs typeface="Arial" panose="020B0604020202020204" pitchFamily="34" charset="0"/>
+              </a:rPr>
+              <a:t> Он принимает на вход </a:t>
+            </a:r>
+            <a:r>
+              <a:rPr lang="en-US" sz="2000" dirty="0" smtClean="0">
+                <a:latin typeface="Arial" panose="020B0604020202020204" pitchFamily="34" charset="0"/>
+                <a:cs typeface="Arial" panose="020B0604020202020204" pitchFamily="34" charset="0"/>
+              </a:rPr>
+              <a:t>MyRequest</a:t>
+            </a:r>
+            <a:r>
+              <a:rPr lang="ru-RU" sz="2000" dirty="0" smtClean="0">
+                <a:latin typeface="Arial" panose="020B0604020202020204" pitchFamily="34" charset="0"/>
+                <a:cs typeface="Arial" panose="020B0604020202020204" pitchFamily="34" charset="0"/>
+              </a:rPr>
+              <a:t>, а выдаёт </a:t>
+            </a:r>
+            <a:r>
+              <a:rPr lang="en-US" sz="2000" dirty="0" smtClean="0">
+                <a:latin typeface="Arial" panose="020B0604020202020204" pitchFamily="34" charset="0"/>
+                <a:cs typeface="Arial" panose="020B0604020202020204" pitchFamily="34" charset="0"/>
+              </a:rPr>
+              <a:t>MyResponse</a:t>
+            </a:r>
+            <a:endParaRPr lang="ru-RU" sz="2000" dirty="0">
+              <a:latin typeface="Arial" panose="020B0604020202020204" pitchFamily="34" charset="0"/>
+              <a:cs typeface="Arial" panose="020B0604020202020204" pitchFamily="34" charset="0"/>
+            </a:endParaRPr>
+          </a:p>
+        </p:txBody>
+      </p:sp>
+    </p:spTree>
+    <p:extLst>
+      <p:ext uri="{BB962C8B-B14F-4D97-AF65-F5344CB8AC3E}">
+        <p14:creationId xmlns:p14="http://schemas.microsoft.com/office/powerpoint/2010/main" val="861448046"/>
+      </p:ext>
+    </p:extLst>
+  </p:cSld>
+  <p:clrMapOvr>
+    <a:masterClrMapping/>
+  </p:clrMapOvr>
+</p:sld>
+</file>
+
+<file path=ppt/slides/slide13.xml><?xml version="1.0" encoding="utf-8"?>
+<p:sld xmlns:a="http://schemas.openxmlformats.org/drawingml/2006/main" xmlns:r="http://schemas.openxmlformats.org/officeDocument/2006/relationships" xmlns:p="http://schemas.openxmlformats.org/presentationml/2006/main">
+  <p:cSld>
+    <p:spTree>
+      <p:nvGrpSpPr>
+        <p:cNvPr id="1" name=""/>
+        <p:cNvGrpSpPr/>
+        <p:nvPr/>
+      </p:nvGrpSpPr>
+      <p:grpSpPr>
+        <a:xfrm>
+          <a:off x="0" y="0"/>
+          <a:ext cx="0" cy="0"/>
+          <a:chOff x="0" y="0"/>
+          <a:chExt cx="0" cy="0"/>
+        </a:xfrm>
+      </p:grpSpPr>
+      <p:sp>
+        <p:nvSpPr>
+          <p:cNvPr id="2" name="Заголовок 1"/>
+          <p:cNvSpPr>
+            <a:spLocks noGrp="1"/>
+          </p:cNvSpPr>
+          <p:nvPr>
+            <p:ph type="title"/>
+          </p:nvPr>
+        </p:nvSpPr>
+        <p:spPr/>
+        <p:txBody>
+          <a:bodyPr/>
+          <a:lstStyle/>
+          <a:p>
+            <a:r>
+              <a:rPr lang="ru-RU" sz="2000" dirty="0" smtClean="0">
+                <a:latin typeface="Arial" panose="020B0604020202020204" pitchFamily="34" charset="0"/>
+                <a:cs typeface="Arial" panose="020B0604020202020204" pitchFamily="34" charset="0"/>
+              </a:rPr>
+              <a:t>Веб-сервер</a:t>
+            </a:r>
+            <a:endParaRPr lang="ru-RU" sz="2000" dirty="0">
+              <a:latin typeface="Arial" panose="020B0604020202020204" pitchFamily="34" charset="0"/>
+              <a:cs typeface="Arial" panose="020B0604020202020204" pitchFamily="34" charset="0"/>
+            </a:endParaRPr>
+          </a:p>
+        </p:txBody>
+      </p:sp>
+      <p:sp>
+        <p:nvSpPr>
+          <p:cNvPr id="3" name="Объект 2"/>
+          <p:cNvSpPr>
+            <a:spLocks noGrp="1"/>
+          </p:cNvSpPr>
+          <p:nvPr>
+            <p:ph idx="1"/>
+          </p:nvPr>
+        </p:nvSpPr>
+        <p:spPr/>
+        <p:txBody>
+          <a:bodyPr>
+            <a:normAutofit/>
+          </a:bodyPr>
+          <a:lstStyle/>
+          <a:p>
+            <a:pPr marL="0" indent="0">
+              <a:buNone/>
+            </a:pPr>
+            <a:r>
+              <a:rPr lang="ru-RU" sz="2000" dirty="0" smtClean="0">
+                <a:latin typeface="Arial" panose="020B0604020202020204" pitchFamily="34" charset="0"/>
+                <a:cs typeface="Arial" panose="020B0604020202020204" pitchFamily="34" charset="0"/>
+              </a:rPr>
               <a:t>Веб-сервер на писан на языке программирования </a:t>
             </a:r>
             <a:r>
@@ -7372,7 +7473,7 @@
 </p:sld>
 </file>
 
-<file path=ppt/slides/slide13.xml><?xml version="1.0" encoding="utf-8"?>
+<file path=ppt/slides/slide14.xml><?xml version="1.0" encoding="utf-8"?>
 <p:sld xmlns:a="http://schemas.openxmlformats.org/drawingml/2006/main" xmlns:r="http://schemas.openxmlformats.org/officeDocument/2006/relationships" xmlns:p="http://schemas.openxmlformats.org/presentationml/2006/main">
   <p:cSld>
     <p:spTree>
@@ -8186,12 +8287,7 @@
             <p:ph type="title"/>
           </p:nvPr>
         </p:nvSpPr>
-        <p:spPr>
-          <a:xfrm>
-            <a:off x="2209800" y="209550"/>
-            <a:ext cx="6477000" cy="689371"/>
-          </a:xfrm>
-        </p:spPr>
+        <p:spPr/>
         <p:txBody>
           <a:bodyPr/>
           <a:lstStyle/>
@@ -8201,7 +8297,7 @@
                 <a:latin typeface="Arial" panose="020B0604020202020204" pitchFamily="34" charset="0"/>
                 <a:cs typeface="Arial" panose="020B0604020202020204" pitchFamily="34" charset="0"/>
               </a:rPr>
-              <a:t>Основные классы</a:t>
+              <a:t>Особенности проекта</a:t>
             </a:r>
             <a:endParaRPr lang="ru-RU" dirty="0">
               <a:latin typeface="Arial" panose="020B0604020202020204" pitchFamily="34" charset="0"/>
@@ -8227,72 +8323,45 @@
           </a:bodyPr>
           <a:lstStyle/>
           <a:p>
-            <a:r>
-              <a:rPr lang="en-US" sz="2400" dirty="0" smtClean="0">
-                <a:latin typeface="Arial" panose="020B0604020202020204" pitchFamily="34" charset="0"/>
-                <a:cs typeface="Arial" panose="020B0604020202020204" pitchFamily="34" charset="0"/>
-              </a:rPr>
-              <a:t>MainActivity</a:t>
-            </a:r>
-          </a:p>
-          <a:p>
-            <a:r>
-              <a:rPr lang="en-US" sz="2400" dirty="0" err="1" smtClean="0">
-                <a:latin typeface="Arial" panose="020B0604020202020204" pitchFamily="34" charset="0"/>
-                <a:cs typeface="Arial" panose="020B0604020202020204" pitchFamily="34" charset="0"/>
-              </a:rPr>
-              <a:t>WebActivity</a:t>
-            </a:r>
-            <a:r>
-              <a:rPr lang="en-US" sz="2400" dirty="0" smtClean="0">
-                <a:latin typeface="Arial" panose="020B0604020202020204" pitchFamily="34" charset="0"/>
-                <a:cs typeface="Arial" panose="020B0604020202020204" pitchFamily="34" charset="0"/>
-              </a:rPr>
-              <a:t> &amp;&amp; </a:t>
-            </a:r>
-            <a:r>
-              <a:rPr lang="en-US" sz="2400" dirty="0" err="1" smtClean="0">
-                <a:latin typeface="Arial" panose="020B0604020202020204" pitchFamily="34" charset="0"/>
-                <a:cs typeface="Arial" panose="020B0604020202020204" pitchFamily="34" charset="0"/>
-              </a:rPr>
-              <a:t>WebAdditionalModeActivity</a:t>
-            </a:r>
-            <a:endParaRPr lang="en-US" sz="2400" dirty="0" smtClean="0">
-              <a:latin typeface="Arial" panose="020B0604020202020204" pitchFamily="34" charset="0"/>
-              <a:cs typeface="Arial" panose="020B0604020202020204" pitchFamily="34" charset="0"/>
-            </a:endParaRPr>
-          </a:p>
-          <a:p>
-            <a:r>
-              <a:rPr lang="en-US" sz="2400" dirty="0" smtClean="0">
-                <a:latin typeface="Arial" panose="020B0604020202020204" pitchFamily="34" charset="0"/>
-                <a:cs typeface="Arial" panose="020B0604020202020204" pitchFamily="34" charset="0"/>
-              </a:rPr>
-              <a:t>HttpService</a:t>
-            </a:r>
-          </a:p>
-          <a:p>
-            <a:r>
-              <a:rPr lang="en-US" sz="2400" dirty="0" smtClean="0">
-                <a:latin typeface="Arial" panose="020B0604020202020204" pitchFamily="34" charset="0"/>
-                <a:cs typeface="Arial" panose="020B0604020202020204" pitchFamily="34" charset="0"/>
-              </a:rPr>
-              <a:t>LoginActivity &amp;&amp; </a:t>
-            </a:r>
-            <a:r>
-              <a:rPr lang="en-US" sz="2400" dirty="0" err="1" smtClean="0">
-                <a:latin typeface="Arial" panose="020B0604020202020204" pitchFamily="34" charset="0"/>
-                <a:cs typeface="Arial" panose="020B0604020202020204" pitchFamily="34" charset="0"/>
-              </a:rPr>
-              <a:t>RegActivity</a:t>
-            </a:r>
-            <a:endParaRPr lang="en-US" sz="2400" dirty="0" smtClean="0">
-              <a:latin typeface="Arial" panose="020B0604020202020204" pitchFamily="34" charset="0"/>
-              <a:cs typeface="Arial" panose="020B0604020202020204" pitchFamily="34" charset="0"/>
-            </a:endParaRPr>
-          </a:p>
-          <a:p>
-            <a:endParaRPr lang="ru-RU" sz="2400" dirty="0">
+            <a:pPr marL="0" indent="0">
+              <a:buNone/>
+            </a:pPr>
+            <a:r>
+              <a:rPr lang="ru-RU" sz="2000" dirty="0" smtClean="0">
+                <a:latin typeface="Arial" panose="020B0604020202020204" pitchFamily="34" charset="0"/>
+                <a:cs typeface="Arial" panose="020B0604020202020204" pitchFamily="34" charset="0"/>
+              </a:rPr>
+              <a:t>Мой проект использует </a:t>
+            </a:r>
+            <a:r>
+              <a:rPr lang="en-US" sz="2000" dirty="0" smtClean="0">
+                <a:latin typeface="Arial" panose="020B0604020202020204" pitchFamily="34" charset="0"/>
+                <a:cs typeface="Arial" panose="020B0604020202020204" pitchFamily="34" charset="0"/>
+              </a:rPr>
+              <a:t>Material Design, </a:t>
+            </a:r>
+            <a:r>
+              <a:rPr lang="ru-RU" sz="2000" dirty="0" smtClean="0">
+                <a:latin typeface="Arial" panose="020B0604020202020204" pitchFamily="34" charset="0"/>
+                <a:cs typeface="Arial" panose="020B0604020202020204" pitchFamily="34" charset="0"/>
+              </a:rPr>
+              <a:t>библиотеку </a:t>
+            </a:r>
+            <a:r>
+              <a:rPr lang="en-US" sz="2000" dirty="0" smtClean="0">
+                <a:latin typeface="Arial" panose="020B0604020202020204" pitchFamily="34" charset="0"/>
+                <a:cs typeface="Arial" panose="020B0604020202020204" pitchFamily="34" charset="0"/>
+              </a:rPr>
+              <a:t>okhttp3 </a:t>
+            </a:r>
+            <a:r>
+              <a:rPr lang="ru-RU" sz="2000" smtClean="0">
+                <a:latin typeface="Arial" panose="020B0604020202020204" pitchFamily="34" charset="0"/>
+                <a:cs typeface="Arial" panose="020B0604020202020204" pitchFamily="34" charset="0"/>
+              </a:rPr>
+              <a:t>и веб-сервер</a:t>
+            </a:r>
+            <a:endParaRPr lang="ru-RU" sz="2000" dirty="0">
               <a:latin typeface="Arial" panose="020B0604020202020204" pitchFamily="34" charset="0"/>
               <a:cs typeface="Arial" panose="020B0604020202020204" pitchFamily="34" charset="0"/>
             </a:endParaRPr>
@@ -8302,7 +8371,7 @@
     </p:spTree>
     <p:extLst>
       <p:ext uri="{BB962C8B-B14F-4D97-AF65-F5344CB8AC3E}">
-        <p14:creationId xmlns:p14="http://schemas.microsoft.com/office/powerpoint/2010/main" val="2041139675"/>
+        <p14:creationId xmlns:p14="http://schemas.microsoft.com/office/powerpoint/2010/main" val="69417704"/>
       </p:ext>
     </p:extLst>
   </p:cSld>
@@ -8339,7 +8408,12 @@
             <p:ph type="title"/>
           </p:nvPr>
         </p:nvSpPr>
-        <p:spPr/>
+        <p:spPr>
+          <a:xfrm>
+            <a:off x="2209800" y="209550"/>
+            <a:ext cx="6477000" cy="689371"/>
+          </a:xfrm>
+        </p:spPr>
         <p:txBody>
           <a:bodyPr/>
           <a:lstStyle/>
@@ -8349,7 +8423,7 @@
                 <a:latin typeface="Arial" panose="020B0604020202020204" pitchFamily="34" charset="0"/>
                 <a:cs typeface="Arial" panose="020B0604020202020204" pitchFamily="34" charset="0"/>
               </a:rPr>
-              <a:t>Структура проекта</a:t>
+              <a:t>Основные классы</a:t>
             </a:r>
             <a:endParaRPr lang="ru-RU" dirty="0">
               <a:latin typeface="Arial" panose="020B0604020202020204" pitchFamily="34" charset="0"/>
@@ -8375,85 +8449,72 @@
           </a:bodyPr>
           <a:lstStyle/>
           <a:p>
-            <a:pPr marL="0" indent="0">
-              <a:buNone/>
-            </a:pPr>
-            <a:r>
-              <a:rPr lang="ru-RU" sz="2000" dirty="0" smtClean="0">
-                <a:latin typeface="Arial" panose="020B0604020202020204" pitchFamily="34" charset="0"/>
-                <a:cs typeface="Arial" panose="020B0604020202020204" pitchFamily="34" charset="0"/>
-              </a:rPr>
-              <a:t>Все программы, задействованные в проекте, делятся на:</a:t>
-            </a:r>
-          </a:p>
-          <a:p>
-            <a:pPr marL="514350" indent="-514350">
-              <a:buFont typeface="+mj-lt"/>
-              <a:buAutoNum type="arabicPeriod"/>
-            </a:pPr>
-            <a:r>
-              <a:rPr lang="ru-RU" sz="2000" dirty="0" smtClean="0">
-                <a:latin typeface="Arial" panose="020B0604020202020204" pitchFamily="34" charset="0"/>
-                <a:cs typeface="Arial" panose="020B0604020202020204" pitchFamily="34" charset="0"/>
-              </a:rPr>
-              <a:t>Активности (</a:t>
-            </a:r>
-            <a:r>
-              <a:rPr lang="en-US" sz="2000" dirty="0" smtClean="0">
-                <a:latin typeface="Arial" panose="020B0604020202020204" pitchFamily="34" charset="0"/>
-                <a:cs typeface="Arial" panose="020B0604020202020204" pitchFamily="34" charset="0"/>
-              </a:rPr>
-              <a:t>MainActivity, LoginActivity…)</a:t>
-            </a:r>
-            <a:endParaRPr lang="ru-RU" sz="2000" dirty="0" smtClean="0">
+            <a:r>
+              <a:rPr lang="en-US" sz="2400" dirty="0" smtClean="0">
+                <a:latin typeface="Arial" panose="020B0604020202020204" pitchFamily="34" charset="0"/>
+                <a:cs typeface="Arial" panose="020B0604020202020204" pitchFamily="34" charset="0"/>
+              </a:rPr>
+              <a:t>MainActivity</a:t>
+            </a:r>
+          </a:p>
+          <a:p>
+            <a:r>
+              <a:rPr lang="en-US" sz="2400" dirty="0" err="1" smtClean="0">
+                <a:latin typeface="Arial" panose="020B0604020202020204" pitchFamily="34" charset="0"/>
+                <a:cs typeface="Arial" panose="020B0604020202020204" pitchFamily="34" charset="0"/>
+              </a:rPr>
+              <a:t>WebActivity</a:t>
+            </a:r>
+            <a:r>
+              <a:rPr lang="en-US" sz="2400" dirty="0" smtClean="0">
+                <a:latin typeface="Arial" panose="020B0604020202020204" pitchFamily="34" charset="0"/>
+                <a:cs typeface="Arial" panose="020B0604020202020204" pitchFamily="34" charset="0"/>
+              </a:rPr>
+              <a:t> &amp;&amp; </a:t>
+            </a:r>
+            <a:r>
+              <a:rPr lang="en-US" sz="2400" dirty="0" err="1" smtClean="0">
+                <a:latin typeface="Arial" panose="020B0604020202020204" pitchFamily="34" charset="0"/>
+                <a:cs typeface="Arial" panose="020B0604020202020204" pitchFamily="34" charset="0"/>
+              </a:rPr>
+              <a:t>WebAdditionalModeActivity</a:t>
+            </a:r>
+            <a:endParaRPr lang="en-US" sz="2400" dirty="0" smtClean="0">
               <a:latin typeface="Arial" panose="020B0604020202020204" pitchFamily="34" charset="0"/>
               <a:cs typeface="Arial" panose="020B0604020202020204" pitchFamily="34" charset="0"/>
             </a:endParaRPr>
           </a:p>
           <a:p>
-            <a:pPr marL="514350" indent="-514350">
-              <a:buFont typeface="+mj-lt"/>
-              <a:buAutoNum type="arabicPeriod"/>
-            </a:pPr>
-            <a:r>
-              <a:rPr lang="ru-RU" sz="2000" dirty="0" smtClean="0">
-                <a:latin typeface="Arial" panose="020B0604020202020204" pitchFamily="34" charset="0"/>
-                <a:cs typeface="Arial" panose="020B0604020202020204" pitchFamily="34" charset="0"/>
-              </a:rPr>
-              <a:t>Вспомогательные классы (</a:t>
-            </a:r>
-            <a:r>
-              <a:rPr lang="en-US" sz="2000" dirty="0" smtClean="0">
-                <a:latin typeface="Arial" panose="020B0604020202020204" pitchFamily="34" charset="0"/>
-                <a:cs typeface="Arial" panose="020B0604020202020204" pitchFamily="34" charset="0"/>
-              </a:rPr>
-              <a:t>ClientServer, HttpService, MyRequest…)</a:t>
-            </a:r>
-            <a:endParaRPr lang="ru-RU" sz="2000" dirty="0" smtClean="0">
+            <a:r>
+              <a:rPr lang="en-US" sz="2400" dirty="0" smtClean="0">
+                <a:latin typeface="Arial" panose="020B0604020202020204" pitchFamily="34" charset="0"/>
+                <a:cs typeface="Arial" panose="020B0604020202020204" pitchFamily="34" charset="0"/>
+              </a:rPr>
+              <a:t>HttpService</a:t>
+            </a:r>
+          </a:p>
+          <a:p>
+            <a:r>
+              <a:rPr lang="en-US" sz="2400" dirty="0" smtClean="0">
+                <a:latin typeface="Arial" panose="020B0604020202020204" pitchFamily="34" charset="0"/>
+                <a:cs typeface="Arial" panose="020B0604020202020204" pitchFamily="34" charset="0"/>
+              </a:rPr>
+              <a:t>LoginActivity &amp;&amp; </a:t>
+            </a:r>
+            <a:r>
+              <a:rPr lang="en-US" sz="2400" dirty="0" err="1" smtClean="0">
+                <a:latin typeface="Arial" panose="020B0604020202020204" pitchFamily="34" charset="0"/>
+                <a:cs typeface="Arial" panose="020B0604020202020204" pitchFamily="34" charset="0"/>
+              </a:rPr>
+              <a:t>RegActivity</a:t>
+            </a:r>
+            <a:endParaRPr lang="en-US" sz="2400" dirty="0" smtClean="0">
               <a:latin typeface="Arial" panose="020B0604020202020204" pitchFamily="34" charset="0"/>
               <a:cs typeface="Arial" panose="020B0604020202020204" pitchFamily="34" charset="0"/>
             </a:endParaRPr>
           </a:p>
           <a:p>
-            <a:pPr marL="514350" indent="-514350">
-              <a:buFont typeface="+mj-lt"/>
-              <a:buAutoNum type="arabicPeriod"/>
-            </a:pPr>
-            <a:r>
-              <a:rPr lang="ru-RU" sz="2000" dirty="0" smtClean="0">
-                <a:latin typeface="Arial" panose="020B0604020202020204" pitchFamily="34" charset="0"/>
-                <a:cs typeface="Arial" panose="020B0604020202020204" pitchFamily="34" charset="0"/>
-              </a:rPr>
-              <a:t>Веб-сервер, написанный на </a:t>
-            </a:r>
-            <a:r>
-              <a:rPr lang="en-US" sz="2000" dirty="0" smtClean="0">
-                <a:latin typeface="Arial" panose="020B0604020202020204" pitchFamily="34" charset="0"/>
-                <a:cs typeface="Arial" panose="020B0604020202020204" pitchFamily="34" charset="0"/>
-              </a:rPr>
-              <a:t>Python</a:t>
-            </a:r>
-            <a:endParaRPr lang="ru-RU" sz="2000" dirty="0">
+            <a:endParaRPr lang="ru-RU" sz="2400" dirty="0">
               <a:latin typeface="Arial" panose="020B0604020202020204" pitchFamily="34" charset="0"/>
               <a:cs typeface="Arial" panose="020B0604020202020204" pitchFamily="34" charset="0"/>
             </a:endParaRPr>
@@ -8463,7 +8524,7 @@
     </p:spTree>
     <p:extLst>
       <p:ext uri="{BB962C8B-B14F-4D97-AF65-F5344CB8AC3E}">
-        <p14:creationId xmlns:p14="http://schemas.microsoft.com/office/powerpoint/2010/main" val="3520913918"/>
+        <p14:creationId xmlns:p14="http://schemas.microsoft.com/office/powerpoint/2010/main" val="2041139675"/>
       </p:ext>
     </p:extLst>
   </p:cSld>
@@ -8506,11 +8567,11 @@
           <a:lstStyle/>
           <a:p>
             <a:r>
-              <a:rPr lang="en-US" dirty="0" smtClean="0">
-                <a:latin typeface="Arial" panose="020B0604020202020204" pitchFamily="34" charset="0"/>
-                <a:cs typeface="Arial" panose="020B0604020202020204" pitchFamily="34" charset="0"/>
-              </a:rPr>
-              <a:t>MainActivity</a:t>
+              <a:rPr lang="ru-RU" dirty="0" smtClean="0">
+                <a:latin typeface="Arial" panose="020B0604020202020204" pitchFamily="34" charset="0"/>
+                <a:cs typeface="Arial" panose="020B0604020202020204" pitchFamily="34" charset="0"/>
+              </a:rPr>
+              <a:t>Структура проекта</a:t>
             </a:r>
             <a:endParaRPr lang="ru-RU" dirty="0">
               <a:latin typeface="Arial" panose="020B0604020202020204" pitchFamily="34" charset="0"/>
@@ -8529,12 +8590,7 @@
             <p:ph idx="1"/>
           </p:nvPr>
         </p:nvSpPr>
-        <p:spPr>
-          <a:xfrm>
-            <a:off x="2133600" y="1200151"/>
-            <a:ext cx="6858000" cy="3394472"/>
-          </a:xfrm>
-        </p:spPr>
+        <p:spPr/>
         <p:txBody>
           <a:bodyPr>
             <a:normAutofit/>
@@ -8549,34 +8605,27 @@
                 <a:latin typeface="Arial" panose="020B0604020202020204" pitchFamily="34" charset="0"/>
                 <a:cs typeface="Arial" panose="020B0604020202020204" pitchFamily="34" charset="0"/>
               </a:rPr>
-              <a:t>Данный класс является одной из важнейших активностей, так как через неё можно</a:t>
-            </a:r>
-          </a:p>
-          <a:p>
+              <a:t>Все программы, задействованные в проекте, делятся на:</a:t>
+            </a:r>
+          </a:p>
+          <a:p>
+            <a:pPr marL="514350" indent="-514350">
+              <a:buFont typeface="+mj-lt"/>
+              <a:buAutoNum type="arabicPeriod"/>
+            </a:pPr>
             <a:r>
               <a:rPr lang="ru-RU" sz="2000" dirty="0" smtClean="0">
                 <a:latin typeface="Arial" panose="020B0604020202020204" pitchFamily="34" charset="0"/>
                 <a:cs typeface="Arial" panose="020B0604020202020204" pitchFamily="34" charset="0"/>
               </a:rPr>
-              <a:t>Увидеть последние запросы пользователя</a:t>
-            </a:r>
-          </a:p>
-          <a:p>
-            <a:r>
-              <a:rPr lang="ru-RU" sz="2000" dirty="0" smtClean="0">
-                <a:latin typeface="Arial" panose="020B0604020202020204" pitchFamily="34" charset="0"/>
-                <a:cs typeface="Arial" panose="020B0604020202020204" pitchFamily="34" charset="0"/>
-              </a:rPr>
-              <a:t>Зайти в активность авторизации</a:t>
-            </a:r>
-          </a:p>
-          <a:p>
-            <a:r>
-              <a:rPr lang="ru-RU" sz="2000" dirty="0" smtClean="0">
-                <a:latin typeface="Arial" panose="020B0604020202020204" pitchFamily="34" charset="0"/>
-                <a:cs typeface="Arial" panose="020B0604020202020204" pitchFamily="34" charset="0"/>
-              </a:rPr>
-              <a:t>Получить доступ к основным функциям приложения</a:t>
+              <a:t>Активности (</a:t>
+            </a:r>
+            <a:r>
+              <a:rPr lang="en-US" sz="2000" dirty="0" smtClean="0">
+                <a:latin typeface="Arial" panose="020B0604020202020204" pitchFamily="34" charset="0"/>
+                <a:cs typeface="Arial" panose="020B0604020202020204" pitchFamily="34" charset="0"/>
+              </a:rPr>
+              <a:t>MainActivity, LoginActivity…)</a:t>
             </a:r>
             <a:endParaRPr lang="ru-RU" sz="2000" dirty="0" smtClean="0">
               <a:latin typeface="Arial" panose="020B0604020202020204" pitchFamily="34" charset="0"/>
@@ -8584,6 +8633,48 @@
             </a:endParaRPr>
           </a:p>
           <a:p>
+            <a:pPr marL="514350" indent="-514350">
+              <a:buFont typeface="+mj-lt"/>
+              <a:buAutoNum type="arabicPeriod"/>
+            </a:pPr>
+            <a:r>
+              <a:rPr lang="ru-RU" sz="2000" dirty="0" smtClean="0">
+                <a:latin typeface="Arial" panose="020B0604020202020204" pitchFamily="34" charset="0"/>
+                <a:cs typeface="Arial" panose="020B0604020202020204" pitchFamily="34" charset="0"/>
+              </a:rPr>
+              <a:t>Вспомогательные классы (</a:t>
+            </a:r>
+            <a:r>
+              <a:rPr lang="en-US" sz="2000" dirty="0" smtClean="0">
+                <a:latin typeface="Arial" panose="020B0604020202020204" pitchFamily="34" charset="0"/>
+                <a:cs typeface="Arial" panose="020B0604020202020204" pitchFamily="34" charset="0"/>
+              </a:rPr>
+              <a:t>ClientServer, HttpService, MyRequest…)</a:t>
+            </a:r>
+            <a:endParaRPr lang="ru-RU" sz="2000" dirty="0" smtClean="0">
+              <a:latin typeface="Arial" panose="020B0604020202020204" pitchFamily="34" charset="0"/>
+              <a:cs typeface="Arial" panose="020B0604020202020204" pitchFamily="34" charset="0"/>
+            </a:endParaRPr>
+          </a:p>
+          <a:p>
+            <a:pPr marL="514350" indent="-514350">
+              <a:buFont typeface="+mj-lt"/>
+              <a:buAutoNum type="arabicPeriod"/>
+            </a:pPr>
+            <a:r>
+              <a:rPr lang="ru-RU" sz="2000" dirty="0" smtClean="0">
+                <a:latin typeface="Arial" panose="020B0604020202020204" pitchFamily="34" charset="0"/>
+                <a:cs typeface="Arial" panose="020B0604020202020204" pitchFamily="34" charset="0"/>
+              </a:rPr>
+              <a:t>Веб-сервер, написанный на </a:t>
+            </a:r>
+            <a:r>
+              <a:rPr lang="en-US" sz="2000" dirty="0" smtClean="0">
+                <a:latin typeface="Arial" panose="020B0604020202020204" pitchFamily="34" charset="0"/>
+                <a:cs typeface="Arial" panose="020B0604020202020204" pitchFamily="34" charset="0"/>
+              </a:rPr>
+              <a:t>Python</a:t>
+            </a:r>
             <a:endParaRPr lang="ru-RU" sz="2000" dirty="0">
               <a:latin typeface="Arial" panose="020B0604020202020204" pitchFamily="34" charset="0"/>
               <a:cs typeface="Arial" panose="020B0604020202020204" pitchFamily="34" charset="0"/>
@@ -8591,34 +8682,10 @@
           </a:p>
         </p:txBody>
       </p:sp>
-      <p:pic>
-        <p:nvPicPr>
-          <p:cNvPr id="7" name="Рисунок 6"/>
-          <p:cNvPicPr>
-            <a:picLocks noChangeAspect="1"/>
-          </p:cNvPicPr>
-          <p:nvPr/>
-        </p:nvPicPr>
-        <p:blipFill>
-          <a:blip r:embed="rId2"/>
-          <a:stretch>
-            <a:fillRect/>
-          </a:stretch>
-        </p:blipFill>
-        <p:spPr>
-          <a:xfrm>
-            <a:off x="152400" y="1047750"/>
-            <a:ext cx="1864462" cy="3819525"/>
-          </a:xfrm>
-          <a:prstGeom prst="rect">
-            <a:avLst/>
-          </a:prstGeom>
-        </p:spPr>
-      </p:pic>
     </p:spTree>
     <p:extLst>
       <p:ext uri="{BB962C8B-B14F-4D97-AF65-F5344CB8AC3E}">
-        <p14:creationId xmlns:p14="http://schemas.microsoft.com/office/powerpoint/2010/main" val="1603758646"/>
+        <p14:creationId xmlns:p14="http://schemas.microsoft.com/office/powerpoint/2010/main" val="3520913918"/>
       </p:ext>
     </p:extLst>
   </p:cSld>
@@ -8661,13 +8728,13 @@
           <a:lstStyle/>
           <a:p>
             <a:r>
-              <a:rPr lang="en-US" sz="2000" dirty="0" smtClean="0">
-                <a:latin typeface="Arial" panose="020B0604020202020204" pitchFamily="34" charset="0"/>
-                <a:cs typeface="Arial" panose="020B0604020202020204" pitchFamily="34" charset="0"/>
-              </a:rPr>
-              <a:t>HttpService</a:t>
-            </a:r>
-            <a:endParaRPr lang="ru-RU" sz="2000" dirty="0">
+              <a:rPr lang="en-US" dirty="0" smtClean="0">
+                <a:latin typeface="Arial" panose="020B0604020202020204" pitchFamily="34" charset="0"/>
+                <a:cs typeface="Arial" panose="020B0604020202020204" pitchFamily="34" charset="0"/>
+              </a:rPr>
+              <a:t>MainActivity</a:t>
+            </a:r>
+            <a:endParaRPr lang="ru-RU" dirty="0">
               <a:latin typeface="Arial" panose="020B0604020202020204" pitchFamily="34" charset="0"/>
               <a:cs typeface="Arial" panose="020B0604020202020204" pitchFamily="34" charset="0"/>
             </a:endParaRPr>
@@ -8684,7 +8751,12 @@
             <p:ph idx="1"/>
           </p:nvPr>
         </p:nvSpPr>
-        <p:spPr/>
+        <p:spPr>
+          <a:xfrm>
+            <a:off x="2133600" y="1200151"/>
+            <a:ext cx="6858000" cy="3394472"/>
+          </a:xfrm>
+        </p:spPr>
         <p:txBody>
           <a:bodyPr>
             <a:normAutofit/>
@@ -8699,15 +8771,37 @@
                 <a:latin typeface="Arial" panose="020B0604020202020204" pitchFamily="34" charset="0"/>
                 <a:cs typeface="Arial" panose="020B0604020202020204" pitchFamily="34" charset="0"/>
               </a:rPr>
-              <a:t>Основной класс, за счёт которого приложение отправляет запросы на сервер. Использует библиотеку </a:t>
-            </a:r>
-            <a:r>
-              <a:rPr lang="en-US" sz="2000" dirty="0" smtClean="0">
-                <a:latin typeface="Arial" panose="020B0604020202020204" pitchFamily="34" charset="0"/>
-                <a:cs typeface="Arial" panose="020B0604020202020204" pitchFamily="34" charset="0"/>
-              </a:rPr>
-              <a:t>okhttp3</a:t>
-            </a:r>
+              <a:t>Данный класс является одной из важнейших активностей, так как через неё можно</a:t>
+            </a:r>
+          </a:p>
+          <a:p>
+            <a:r>
+              <a:rPr lang="ru-RU" sz="2000" dirty="0" smtClean="0">
+                <a:latin typeface="Arial" panose="020B0604020202020204" pitchFamily="34" charset="0"/>
+                <a:cs typeface="Arial" panose="020B0604020202020204" pitchFamily="34" charset="0"/>
+              </a:rPr>
+              <a:t>Увидеть последние запросы пользователя</a:t>
+            </a:r>
+          </a:p>
+          <a:p>
+            <a:r>
+              <a:rPr lang="ru-RU" sz="2000" dirty="0" smtClean="0">
+                <a:latin typeface="Arial" panose="020B0604020202020204" pitchFamily="34" charset="0"/>
+                <a:cs typeface="Arial" panose="020B0604020202020204" pitchFamily="34" charset="0"/>
+              </a:rPr>
+              <a:t>Зайти в активность авторизации</a:t>
+            </a:r>
+          </a:p>
+          <a:p>
+            <a:r>
+              <a:rPr lang="ru-RU" sz="2000" dirty="0" smtClean="0">
+                <a:latin typeface="Arial" panose="020B0604020202020204" pitchFamily="34" charset="0"/>
+                <a:cs typeface="Arial" panose="020B0604020202020204" pitchFamily="34" charset="0"/>
+              </a:rPr>
+              <a:t>Получить доступ к основным функциям приложения</a:t>
+            </a:r>
+          </a:p>
+          <a:p>
             <a:endParaRPr lang="ru-RU" sz="2000" dirty="0">
               <a:latin typeface="Arial" panose="020B0604020202020204" pitchFamily="34" charset="0"/>
               <a:cs typeface="Arial" panose="020B0604020202020204" pitchFamily="34" charset="0"/>
@@ -8715,10 +8809,34 @@
           </a:p>
         </p:txBody>
       </p:sp>
+      <p:pic>
+        <p:nvPicPr>
+          <p:cNvPr id="7" name="Рисунок 6"/>
+          <p:cNvPicPr>
+            <a:picLocks noChangeAspect="1"/>
+          </p:cNvPicPr>
+          <p:nvPr/>
+        </p:nvPicPr>
+        <p:blipFill>
+          <a:blip r:embed="rId2"/>
+          <a:stretch>
+            <a:fillRect/>
+          </a:stretch>
+        </p:blipFill>
+        <p:spPr>
+          <a:xfrm>
+            <a:off x="152400" y="1047750"/>
+            <a:ext cx="1864462" cy="3819525"/>
+          </a:xfrm>
+          <a:prstGeom prst="rect">
+            <a:avLst/>
+          </a:prstGeom>
+        </p:spPr>
+      </p:pic>
     </p:spTree>
     <p:extLst>
       <p:ext uri="{BB962C8B-B14F-4D97-AF65-F5344CB8AC3E}">
-        <p14:creationId xmlns:p14="http://schemas.microsoft.com/office/powerpoint/2010/main" val="1783735977"/>
+        <p14:creationId xmlns:p14="http://schemas.microsoft.com/office/powerpoint/2010/main" val="1603758646"/>
       </p:ext>
     </p:extLst>
   </p:cSld>
